--- a/FEE project presentation Template (2)[1].pptx
+++ b/FEE project presentation Template (2)[1].pptx
@@ -139,6 +139,35 @@
 </p:presentation>
 </file>
 
+<file path=ppt/changesInfos/changesInfo1.xml><?xml version="1.0" encoding="utf-8"?>
+<pc:chgInfo xmlns:a="http://schemas.openxmlformats.org/drawingml/2006/main" xmlns:r="http://schemas.openxmlformats.org/officeDocument/2006/relationships" xmlns:ac="http://schemas.microsoft.com/office/drawing/2013/main/command" xmlns:pc="http://schemas.microsoft.com/office/powerpoint/2013/main/command">
+  <pc:docChgLst>
+    <pc:chgData name="Joel Matthew" userId="855939823c683392" providerId="LiveId" clId="{0A07DCB6-9F69-4523-8B5F-EF96E083EFC1}"/>
+    <pc:docChg chg="modSld">
+      <pc:chgData name="Joel Matthew" userId="855939823c683392" providerId="LiveId" clId="{0A07DCB6-9F69-4523-8B5F-EF96E083EFC1}" dt="2023-06-09T19:22:23.093" v="0" actId="1076"/>
+      <pc:docMkLst>
+        <pc:docMk/>
+      </pc:docMkLst>
+      <pc:sldChg chg="modSp mod">
+        <pc:chgData name="Joel Matthew" userId="855939823c683392" providerId="LiveId" clId="{0A07DCB6-9F69-4523-8B5F-EF96E083EFC1}" dt="2023-06-09T19:22:23.093" v="0" actId="1076"/>
+        <pc:sldMkLst>
+          <pc:docMk/>
+          <pc:sldMk cId="1667714394" sldId="285"/>
+        </pc:sldMkLst>
+        <pc:picChg chg="mod">
+          <ac:chgData name="Joel Matthew" userId="855939823c683392" providerId="LiveId" clId="{0A07DCB6-9F69-4523-8B5F-EF96E083EFC1}" dt="2023-06-09T19:22:23.093" v="0" actId="1076"/>
+          <ac:picMkLst>
+            <pc:docMk/>
+            <pc:sldMk cId="1667714394" sldId="285"/>
+            <ac:picMk id="5" creationId="{59525515-B638-283E-2636-5E9E249BA7A5}"/>
+          </ac:picMkLst>
+        </pc:picChg>
+      </pc:sldChg>
+    </pc:docChg>
+  </pc:docChgLst>
+</pc:chgInfo>
+</file>
+
 <file path=ppt/slideLayouts/slideLayout1.xml><?xml version="1.0" encoding="utf-8"?>
 <p:sldLayout xmlns:a="http://schemas.openxmlformats.org/drawingml/2006/main" xmlns:r="http://schemas.openxmlformats.org/officeDocument/2006/relationships" xmlns:p="http://schemas.openxmlformats.org/presentationml/2006/main" type="title" preserve="1">
   <p:cSld name="Title Slide">
@@ -332,7 +361,7 @@
             <a:fld id="{1D5BB0C6-8FC1-47C0-B737-D54E21B5B868}" type="datetimeFigureOut">
               <a:rPr lang="en-US" smtClean="0"/>
               <a:pPr/>
-              <a:t>5/29/2023</a:t>
+              <a:t>6/10/2023</a:t>
             </a:fld>
             <a:endParaRPr lang="en-US"/>
           </a:p>
@@ -749,7 +778,7 @@
             <a:fld id="{1D5BB0C6-8FC1-47C0-B737-D54E21B5B868}" type="datetimeFigureOut">
               <a:rPr lang="en-US" smtClean="0"/>
               <a:pPr/>
-              <a:t>5/29/2023</a:t>
+              <a:t>6/10/2023</a:t>
             </a:fld>
             <a:endParaRPr lang="en-US"/>
           </a:p>
@@ -852,7 +881,7 @@
             <a:fld id="{1D5BB0C6-8FC1-47C0-B737-D54E21B5B868}" type="datetimeFigureOut">
               <a:rPr lang="en-US" smtClean="0"/>
               <a:pPr/>
-              <a:t>5/29/2023</a:t>
+              <a:t>6/10/2023</a:t>
             </a:fld>
             <a:endParaRPr lang="en-US"/>
           </a:p>
@@ -1089,7 +1118,7 @@
             <a:fld id="{1D5BB0C6-8FC1-47C0-B737-D54E21B5B868}" type="datetimeFigureOut">
               <a:rPr lang="en-US" smtClean="0"/>
               <a:pPr/>
-              <a:t>5/29/2023</a:t>
+              <a:t>6/10/2023</a:t>
             </a:fld>
             <a:endParaRPr lang="en-US"/>
           </a:p>
@@ -2660,7 +2689,7 @@
         </p:blipFill>
         <p:spPr>
           <a:xfrm>
-            <a:off x="207418" y="1196752"/>
+            <a:off x="107504" y="1556792"/>
             <a:ext cx="8729163" cy="4824536"/>
           </a:xfrm>
           <a:prstGeom prst="rect">
